--- a/Presentation Joao Lopes and Mickael Jossier.pptx
+++ b/Presentation Joao Lopes and Mickael Jossier.pptx
@@ -280,7 +280,7 @@
       <p15:sldGuideLst xmlns:p15="http://schemas.microsoft.com/office/powerpoint/2012/main"/>
     </p:ext>
     <p:ext uri="GoogleSlidesCustomDataVersion2">
-      <go:slidesCustomData xmlns:go="http://customooxmlschemas.google.com/" xmlns:ahyp="http://schemas.microsoft.com/office/drawing/2018/hyperlinkcolor" xmlns:p15="http://schemas.microsoft.com/office/powerpoint/2012/main" xmlns:p14="http://schemas.microsoft.com/office/powerpoint/2010/main" xmlns:com="http://schemas.openxmlformats.org/drawingml/2006/compatibility" xmlns:pvml="urn:schemas-microsoft-com:office:powerpoint" xmlns:v="urn:schemas-microsoft-com:vml" xmlns:o="urn:schemas-microsoft-com:office:office" xmlns:dgm="http://schemas.openxmlformats.org/drawingml/2006/diagram" xmlns:c="http://schemas.openxmlformats.org/drawingml/2006/chart" xmlns:mv="urn:schemas-microsoft-com:mac:vml" xmlns:mc="http://schemas.openxmlformats.org/markup-compatibility/2006" xmlns="" r:id="rId27" roundtripDataSignature="AMtx7mgC+dGK284+U560VC+8fA35RrkoAw=="/>
+      <go:slidesCustomData xmlns="" xmlns:mc="http://schemas.openxmlformats.org/markup-compatibility/2006" xmlns:mv="urn:schemas-microsoft-com:mac:vml" xmlns:c="http://schemas.openxmlformats.org/drawingml/2006/chart" xmlns:dgm="http://schemas.openxmlformats.org/drawingml/2006/diagram" xmlns:o="urn:schemas-microsoft-com:office:office" xmlns:v="urn:schemas-microsoft-com:vml" xmlns:pvml="urn:schemas-microsoft-com:office:powerpoint" xmlns:com="http://schemas.openxmlformats.org/drawingml/2006/compatibility" xmlns:p14="http://schemas.microsoft.com/office/powerpoint/2010/main" xmlns:p15="http://schemas.microsoft.com/office/powerpoint/2012/main" xmlns:ahyp="http://schemas.microsoft.com/office/drawing/2018/hyperlinkcolor" xmlns:go="http://customooxmlschemas.google.com/" r:id="rId27" roundtripDataSignature="AMtx7mgC+dGK284+U560VC+8fA35RrkoAw=="/>
     </p:ext>
   </p:extLst>
 </p:presentation>
@@ -19461,10 +19461,10 @@
       </p:pic>
       <p:pic>
         <p:nvPicPr>
-          <p:cNvPr id="8" name="Imagem 7" descr="Uma imagem com texto, Cara humana, homem, captura de ecrã&#10;&#10;Descrição gerada automaticamente">
+          <p:cNvPr id="9" name="Imagem 8" descr="Uma imagem com texto, Cara humana, homem, captura de ecrã&#10;&#10;Descrição gerada automaticamente">
             <a:extLst>
               <a:ext uri="{FF2B5EF4-FFF2-40B4-BE49-F238E27FC236}">
-                <a16:creationId xmlns:a16="http://schemas.microsoft.com/office/drawing/2014/main" id="{C197BD15-FDF0-4517-8304-084371306812}"/>
+                <a16:creationId xmlns:a16="http://schemas.microsoft.com/office/drawing/2014/main" id="{B4BE99F9-484D-03AA-F434-1FBC75517E1F}"/>
               </a:ext>
             </a:extLst>
           </p:cNvPr>
@@ -19481,7 +19481,7 @@
         </p:blipFill>
         <p:spPr>
           <a:xfrm>
-            <a:off x="3653517" y="1719263"/>
+            <a:off x="3655310" y="1724087"/>
             <a:ext cx="2381250" cy="3571875"/>
           </a:xfrm>
           <a:prstGeom prst="rect">
@@ -19876,7 +19876,7 @@
                                           </p:stCondLst>
                                         </p:cTn>
                                         <p:tgtEl>
-                                          <p:spTgt spid="8"/>
+                                          <p:spTgt spid="9"/>
                                         </p:tgtEl>
                                         <p:attrNameLst>
                                           <p:attrName>style.visibility</p:attrName>
@@ -19890,7 +19890,7 @@
                                       <p:cBhvr>
                                         <p:cTn id="38" dur="500"/>
                                         <p:tgtEl>
-                                          <p:spTgt spid="8"/>
+                                          <p:spTgt spid="9"/>
                                         </p:tgtEl>
                                       </p:cBhvr>
                                     </p:animEffect>
